--- a/design/icon-template.pptx
+++ b/design/icon-template.pptx
@@ -108,7 +108,18 @@
   </p:defaultTextStyle>
   <p:extLst>
     <p:ext uri="{EFAFB233-063F-42B5-8137-9DF3F51BA10A}">
-      <p15:sldGuideLst xmlns="" xmlns:p15="http://schemas.microsoft.com/office/powerpoint/2012/main"/>
+      <p15:sldGuideLst xmlns:p15="http://schemas.microsoft.com/office/powerpoint/2012/main">
+        <p15:guide id="1" orient="horz" pos="2834">
+          <p15:clr>
+            <a:srgbClr val="A4A3A4"/>
+          </p15:clr>
+        </p15:guide>
+        <p15:guide id="2" pos="2834">
+          <p15:clr>
+            <a:srgbClr val="A4A3A4"/>
+          </p15:clr>
+        </p15:guide>
+      </p15:sldGuideLst>
     </p:ext>
   </p:extLst>
 </p:presentation>
@@ -156,7 +167,7 @@
           </a:lstStyle>
           <a:p>
             <a:r>
-              <a:rPr lang="de-DE" smtClean="0"/>
+              <a:rPr lang="de-DE"/>
               <a:t>Titelmasterformat durch Klicken bearbeiten</a:t>
             </a:r>
             <a:endParaRPr lang="en-US" dirty="0"/>
@@ -221,7 +232,7 @@
           </a:lstStyle>
           <a:p>
             <a:r>
-              <a:rPr lang="de-DE" smtClean="0"/>
+              <a:rPr lang="de-DE"/>
               <a:t>Formatvorlage des Untertitelmasters durch Klicken bearbeiten</a:t>
             </a:r>
             <a:endParaRPr lang="en-US" dirty="0"/>
@@ -246,7 +257,7 @@
             <a:fld id="{3C8D21C9-6065-4506-8F9A-70A9BB6917CD}" type="datetimeFigureOut">
               <a:rPr lang="de-DE" smtClean="0"/>
               <a:pPr/>
-              <a:t>09.05.2017</a:t>
+              <a:t>21.03.2019</a:t>
             </a:fld>
             <a:endParaRPr lang="de-DE"/>
           </a:p>
@@ -289,7 +300,7 @@
             <a:fld id="{71D19CC4-DE5F-4A9F-AD84-A568E8512C5E}" type="slidenum">
               <a:rPr lang="de-DE" smtClean="0"/>
               <a:pPr/>
-              <a:t>‹Nr.›</a:t>
+              <a:t>‹#›</a:t>
             </a:fld>
             <a:endParaRPr lang="de-DE"/>
           </a:p>
@@ -298,7 +309,7 @@
     </p:spTree>
     <p:extLst>
       <p:ext uri="{BB962C8B-B14F-4D97-AF65-F5344CB8AC3E}">
-        <p14:creationId xmlns:p14="http://schemas.microsoft.com/office/powerpoint/2010/main" xmlns="" val="1709192064"/>
+        <p14:creationId xmlns:p14="http://schemas.microsoft.com/office/powerpoint/2010/main" val="1709192064"/>
       </p:ext>
     </p:extLst>
   </p:cSld>
@@ -341,7 +352,7 @@
           <a:lstStyle/>
           <a:p>
             <a:r>
-              <a:rPr lang="de-DE" smtClean="0"/>
+              <a:rPr lang="de-DE"/>
               <a:t>Titelmasterformat durch Klicken bearbeiten</a:t>
             </a:r>
             <a:endParaRPr lang="en-US" dirty="0"/>
@@ -365,35 +376,35 @@
           <a:p>
             <a:pPr lvl="0"/>
             <a:r>
-              <a:rPr lang="de-DE" smtClean="0"/>
+              <a:rPr lang="de-DE"/>
               <a:t>Textmasterformat bearbeiten</a:t>
             </a:r>
           </a:p>
           <a:p>
             <a:pPr lvl="1"/>
             <a:r>
-              <a:rPr lang="de-DE" smtClean="0"/>
+              <a:rPr lang="de-DE"/>
               <a:t>Zweite Ebene</a:t>
             </a:r>
           </a:p>
           <a:p>
             <a:pPr lvl="2"/>
             <a:r>
-              <a:rPr lang="de-DE" smtClean="0"/>
+              <a:rPr lang="de-DE"/>
               <a:t>Dritte Ebene</a:t>
             </a:r>
           </a:p>
           <a:p>
             <a:pPr lvl="3"/>
             <a:r>
-              <a:rPr lang="de-DE" smtClean="0"/>
+              <a:rPr lang="de-DE"/>
               <a:t>Vierte Ebene</a:t>
             </a:r>
           </a:p>
           <a:p>
             <a:pPr lvl="4"/>
             <a:r>
-              <a:rPr lang="de-DE" smtClean="0"/>
+              <a:rPr lang="de-DE"/>
               <a:t>Fünfte Ebene</a:t>
             </a:r>
             <a:endParaRPr lang="en-US" dirty="0"/>
@@ -418,7 +429,7 @@
             <a:fld id="{3C8D21C9-6065-4506-8F9A-70A9BB6917CD}" type="datetimeFigureOut">
               <a:rPr lang="de-DE" smtClean="0"/>
               <a:pPr/>
-              <a:t>09.05.2017</a:t>
+              <a:t>21.03.2019</a:t>
             </a:fld>
             <a:endParaRPr lang="de-DE"/>
           </a:p>
@@ -461,7 +472,7 @@
             <a:fld id="{71D19CC4-DE5F-4A9F-AD84-A568E8512C5E}" type="slidenum">
               <a:rPr lang="de-DE" smtClean="0"/>
               <a:pPr/>
-              <a:t>‹Nr.›</a:t>
+              <a:t>‹#›</a:t>
             </a:fld>
             <a:endParaRPr lang="de-DE"/>
           </a:p>
@@ -470,7 +481,7 @@
     </p:spTree>
     <p:extLst>
       <p:ext uri="{BB962C8B-B14F-4D97-AF65-F5344CB8AC3E}">
-        <p14:creationId xmlns:p14="http://schemas.microsoft.com/office/powerpoint/2010/main" xmlns="" val="3354924099"/>
+        <p14:creationId xmlns:p14="http://schemas.microsoft.com/office/powerpoint/2010/main" val="3354924099"/>
       </p:ext>
     </p:extLst>
   </p:cSld>
@@ -518,7 +529,7 @@
           <a:lstStyle/>
           <a:p>
             <a:r>
-              <a:rPr lang="de-DE" smtClean="0"/>
+              <a:rPr lang="de-DE"/>
               <a:t>Titelmasterformat durch Klicken bearbeiten</a:t>
             </a:r>
             <a:endParaRPr lang="en-US" dirty="0"/>
@@ -547,35 +558,35 @@
           <a:p>
             <a:pPr lvl="0"/>
             <a:r>
-              <a:rPr lang="de-DE" smtClean="0"/>
+              <a:rPr lang="de-DE"/>
               <a:t>Textmasterformat bearbeiten</a:t>
             </a:r>
           </a:p>
           <a:p>
             <a:pPr lvl="1"/>
             <a:r>
-              <a:rPr lang="de-DE" smtClean="0"/>
+              <a:rPr lang="de-DE"/>
               <a:t>Zweite Ebene</a:t>
             </a:r>
           </a:p>
           <a:p>
             <a:pPr lvl="2"/>
             <a:r>
-              <a:rPr lang="de-DE" smtClean="0"/>
+              <a:rPr lang="de-DE"/>
               <a:t>Dritte Ebene</a:t>
             </a:r>
           </a:p>
           <a:p>
             <a:pPr lvl="3"/>
             <a:r>
-              <a:rPr lang="de-DE" smtClean="0"/>
+              <a:rPr lang="de-DE"/>
               <a:t>Vierte Ebene</a:t>
             </a:r>
           </a:p>
           <a:p>
             <a:pPr lvl="4"/>
             <a:r>
-              <a:rPr lang="de-DE" smtClean="0"/>
+              <a:rPr lang="de-DE"/>
               <a:t>Fünfte Ebene</a:t>
             </a:r>
             <a:endParaRPr lang="en-US" dirty="0"/>
@@ -600,7 +611,7 @@
             <a:fld id="{3C8D21C9-6065-4506-8F9A-70A9BB6917CD}" type="datetimeFigureOut">
               <a:rPr lang="de-DE" smtClean="0"/>
               <a:pPr/>
-              <a:t>09.05.2017</a:t>
+              <a:t>21.03.2019</a:t>
             </a:fld>
             <a:endParaRPr lang="de-DE"/>
           </a:p>
@@ -643,7 +654,7 @@
             <a:fld id="{71D19CC4-DE5F-4A9F-AD84-A568E8512C5E}" type="slidenum">
               <a:rPr lang="de-DE" smtClean="0"/>
               <a:pPr/>
-              <a:t>‹Nr.›</a:t>
+              <a:t>‹#›</a:t>
             </a:fld>
             <a:endParaRPr lang="de-DE"/>
           </a:p>
@@ -652,7 +663,7 @@
     </p:spTree>
     <p:extLst>
       <p:ext uri="{BB962C8B-B14F-4D97-AF65-F5344CB8AC3E}">
-        <p14:creationId xmlns:p14="http://schemas.microsoft.com/office/powerpoint/2010/main" xmlns="" val="2018591043"/>
+        <p14:creationId xmlns:p14="http://schemas.microsoft.com/office/powerpoint/2010/main" val="2018591043"/>
       </p:ext>
     </p:extLst>
   </p:cSld>
@@ -695,7 +706,7 @@
           <a:lstStyle/>
           <a:p>
             <a:r>
-              <a:rPr lang="de-DE" smtClean="0"/>
+              <a:rPr lang="de-DE"/>
               <a:t>Titelmasterformat durch Klicken bearbeiten</a:t>
             </a:r>
             <a:endParaRPr lang="en-US" dirty="0"/>
@@ -719,35 +730,35 @@
           <a:p>
             <a:pPr lvl="0"/>
             <a:r>
-              <a:rPr lang="de-DE" smtClean="0"/>
+              <a:rPr lang="de-DE"/>
               <a:t>Textmasterformat bearbeiten</a:t>
             </a:r>
           </a:p>
           <a:p>
             <a:pPr lvl="1"/>
             <a:r>
-              <a:rPr lang="de-DE" smtClean="0"/>
+              <a:rPr lang="de-DE"/>
               <a:t>Zweite Ebene</a:t>
             </a:r>
           </a:p>
           <a:p>
             <a:pPr lvl="2"/>
             <a:r>
-              <a:rPr lang="de-DE" smtClean="0"/>
+              <a:rPr lang="de-DE"/>
               <a:t>Dritte Ebene</a:t>
             </a:r>
           </a:p>
           <a:p>
             <a:pPr lvl="3"/>
             <a:r>
-              <a:rPr lang="de-DE" smtClean="0"/>
+              <a:rPr lang="de-DE"/>
               <a:t>Vierte Ebene</a:t>
             </a:r>
           </a:p>
           <a:p>
             <a:pPr lvl="4"/>
             <a:r>
-              <a:rPr lang="de-DE" smtClean="0"/>
+              <a:rPr lang="de-DE"/>
               <a:t>Fünfte Ebene</a:t>
             </a:r>
             <a:endParaRPr lang="en-US" dirty="0"/>
@@ -772,7 +783,7 @@
             <a:fld id="{3C8D21C9-6065-4506-8F9A-70A9BB6917CD}" type="datetimeFigureOut">
               <a:rPr lang="de-DE" smtClean="0"/>
               <a:pPr/>
-              <a:t>09.05.2017</a:t>
+              <a:t>21.03.2019</a:t>
             </a:fld>
             <a:endParaRPr lang="de-DE"/>
           </a:p>
@@ -815,7 +826,7 @@
             <a:fld id="{71D19CC4-DE5F-4A9F-AD84-A568E8512C5E}" type="slidenum">
               <a:rPr lang="de-DE" smtClean="0"/>
               <a:pPr/>
-              <a:t>‹Nr.›</a:t>
+              <a:t>‹#›</a:t>
             </a:fld>
             <a:endParaRPr lang="de-DE"/>
           </a:p>
@@ -824,7 +835,7 @@
     </p:spTree>
     <p:extLst>
       <p:ext uri="{BB962C8B-B14F-4D97-AF65-F5344CB8AC3E}">
-        <p14:creationId xmlns:p14="http://schemas.microsoft.com/office/powerpoint/2010/main" xmlns="" val="2474642428"/>
+        <p14:creationId xmlns:p14="http://schemas.microsoft.com/office/powerpoint/2010/main" val="2474642428"/>
       </p:ext>
     </p:extLst>
   </p:cSld>
@@ -876,7 +887,7 @@
           </a:lstStyle>
           <a:p>
             <a:r>
-              <a:rPr lang="de-DE" smtClean="0"/>
+              <a:rPr lang="de-DE"/>
               <a:t>Titelmasterformat durch Klicken bearbeiten</a:t>
             </a:r>
             <a:endParaRPr lang="en-US" dirty="0"/>
@@ -994,7 +1005,7 @@
           <a:p>
             <a:pPr lvl="0"/>
             <a:r>
-              <a:rPr lang="de-DE" smtClean="0"/>
+              <a:rPr lang="de-DE"/>
               <a:t>Textmasterformat bearbeiten</a:t>
             </a:r>
           </a:p>
@@ -1018,7 +1029,7 @@
             <a:fld id="{3C8D21C9-6065-4506-8F9A-70A9BB6917CD}" type="datetimeFigureOut">
               <a:rPr lang="de-DE" smtClean="0"/>
               <a:pPr/>
-              <a:t>09.05.2017</a:t>
+              <a:t>21.03.2019</a:t>
             </a:fld>
             <a:endParaRPr lang="de-DE"/>
           </a:p>
@@ -1061,7 +1072,7 @@
             <a:fld id="{71D19CC4-DE5F-4A9F-AD84-A568E8512C5E}" type="slidenum">
               <a:rPr lang="de-DE" smtClean="0"/>
               <a:pPr/>
-              <a:t>‹Nr.›</a:t>
+              <a:t>‹#›</a:t>
             </a:fld>
             <a:endParaRPr lang="de-DE"/>
           </a:p>
@@ -1070,7 +1081,7 @@
     </p:spTree>
     <p:extLst>
       <p:ext uri="{BB962C8B-B14F-4D97-AF65-F5344CB8AC3E}">
-        <p14:creationId xmlns:p14="http://schemas.microsoft.com/office/powerpoint/2010/main" xmlns="" val="2387581068"/>
+        <p14:creationId xmlns:p14="http://schemas.microsoft.com/office/powerpoint/2010/main" val="2387581068"/>
       </p:ext>
     </p:extLst>
   </p:cSld>
@@ -1113,7 +1124,7 @@
           <a:lstStyle/>
           <a:p>
             <a:r>
-              <a:rPr lang="de-DE" smtClean="0"/>
+              <a:rPr lang="de-DE"/>
               <a:t>Titelmasterformat durch Klicken bearbeiten</a:t>
             </a:r>
             <a:endParaRPr lang="en-US" dirty="0"/>
@@ -1142,35 +1153,35 @@
           <a:p>
             <a:pPr lvl="0"/>
             <a:r>
-              <a:rPr lang="de-DE" smtClean="0"/>
+              <a:rPr lang="de-DE"/>
               <a:t>Textmasterformat bearbeiten</a:t>
             </a:r>
           </a:p>
           <a:p>
             <a:pPr lvl="1"/>
             <a:r>
-              <a:rPr lang="de-DE" smtClean="0"/>
+              <a:rPr lang="de-DE"/>
               <a:t>Zweite Ebene</a:t>
             </a:r>
           </a:p>
           <a:p>
             <a:pPr lvl="2"/>
             <a:r>
-              <a:rPr lang="de-DE" smtClean="0"/>
+              <a:rPr lang="de-DE"/>
               <a:t>Dritte Ebene</a:t>
             </a:r>
           </a:p>
           <a:p>
             <a:pPr lvl="3"/>
             <a:r>
-              <a:rPr lang="de-DE" smtClean="0"/>
+              <a:rPr lang="de-DE"/>
               <a:t>Vierte Ebene</a:t>
             </a:r>
           </a:p>
           <a:p>
             <a:pPr lvl="4"/>
             <a:r>
-              <a:rPr lang="de-DE" smtClean="0"/>
+              <a:rPr lang="de-DE"/>
               <a:t>Fünfte Ebene</a:t>
             </a:r>
             <a:endParaRPr lang="en-US" dirty="0"/>
@@ -1199,35 +1210,35 @@
           <a:p>
             <a:pPr lvl="0"/>
             <a:r>
-              <a:rPr lang="de-DE" smtClean="0"/>
+              <a:rPr lang="de-DE"/>
               <a:t>Textmasterformat bearbeiten</a:t>
             </a:r>
           </a:p>
           <a:p>
             <a:pPr lvl="1"/>
             <a:r>
-              <a:rPr lang="de-DE" smtClean="0"/>
+              <a:rPr lang="de-DE"/>
               <a:t>Zweite Ebene</a:t>
             </a:r>
           </a:p>
           <a:p>
             <a:pPr lvl="2"/>
             <a:r>
-              <a:rPr lang="de-DE" smtClean="0"/>
+              <a:rPr lang="de-DE"/>
               <a:t>Dritte Ebene</a:t>
             </a:r>
           </a:p>
           <a:p>
             <a:pPr lvl="3"/>
             <a:r>
-              <a:rPr lang="de-DE" smtClean="0"/>
+              <a:rPr lang="de-DE"/>
               <a:t>Vierte Ebene</a:t>
             </a:r>
           </a:p>
           <a:p>
             <a:pPr lvl="4"/>
             <a:r>
-              <a:rPr lang="de-DE" smtClean="0"/>
+              <a:rPr lang="de-DE"/>
               <a:t>Fünfte Ebene</a:t>
             </a:r>
             <a:endParaRPr lang="en-US" dirty="0"/>
@@ -1252,7 +1263,7 @@
             <a:fld id="{3C8D21C9-6065-4506-8F9A-70A9BB6917CD}" type="datetimeFigureOut">
               <a:rPr lang="de-DE" smtClean="0"/>
               <a:pPr/>
-              <a:t>09.05.2017</a:t>
+              <a:t>21.03.2019</a:t>
             </a:fld>
             <a:endParaRPr lang="de-DE"/>
           </a:p>
@@ -1295,7 +1306,7 @@
             <a:fld id="{71D19CC4-DE5F-4A9F-AD84-A568E8512C5E}" type="slidenum">
               <a:rPr lang="de-DE" smtClean="0"/>
               <a:pPr/>
-              <a:t>‹Nr.›</a:t>
+              <a:t>‹#›</a:t>
             </a:fld>
             <a:endParaRPr lang="de-DE"/>
           </a:p>
@@ -1304,7 +1315,7 @@
     </p:spTree>
     <p:extLst>
       <p:ext uri="{BB962C8B-B14F-4D97-AF65-F5344CB8AC3E}">
-        <p14:creationId xmlns:p14="http://schemas.microsoft.com/office/powerpoint/2010/main" xmlns="" val="1721259378"/>
+        <p14:creationId xmlns:p14="http://schemas.microsoft.com/office/powerpoint/2010/main" val="1721259378"/>
       </p:ext>
     </p:extLst>
   </p:cSld>
@@ -1352,7 +1363,7 @@
           <a:lstStyle/>
           <a:p>
             <a:r>
-              <a:rPr lang="de-DE" smtClean="0"/>
+              <a:rPr lang="de-DE"/>
               <a:t>Titelmasterformat durch Klicken bearbeiten</a:t>
             </a:r>
             <a:endParaRPr lang="en-US" dirty="0"/>
@@ -1418,7 +1429,7 @@
           <a:p>
             <a:pPr lvl="0"/>
             <a:r>
-              <a:rPr lang="de-DE" smtClean="0"/>
+              <a:rPr lang="de-DE"/>
               <a:t>Textmasterformat bearbeiten</a:t>
             </a:r>
           </a:p>
@@ -1446,35 +1457,35 @@
           <a:p>
             <a:pPr lvl="0"/>
             <a:r>
-              <a:rPr lang="de-DE" smtClean="0"/>
+              <a:rPr lang="de-DE"/>
               <a:t>Textmasterformat bearbeiten</a:t>
             </a:r>
           </a:p>
           <a:p>
             <a:pPr lvl="1"/>
             <a:r>
-              <a:rPr lang="de-DE" smtClean="0"/>
+              <a:rPr lang="de-DE"/>
               <a:t>Zweite Ebene</a:t>
             </a:r>
           </a:p>
           <a:p>
             <a:pPr lvl="2"/>
             <a:r>
-              <a:rPr lang="de-DE" smtClean="0"/>
+              <a:rPr lang="de-DE"/>
               <a:t>Dritte Ebene</a:t>
             </a:r>
           </a:p>
           <a:p>
             <a:pPr lvl="3"/>
             <a:r>
-              <a:rPr lang="de-DE" smtClean="0"/>
+              <a:rPr lang="de-DE"/>
               <a:t>Vierte Ebene</a:t>
             </a:r>
           </a:p>
           <a:p>
             <a:pPr lvl="4"/>
             <a:r>
-              <a:rPr lang="de-DE" smtClean="0"/>
+              <a:rPr lang="de-DE"/>
               <a:t>Fünfte Ebene</a:t>
             </a:r>
             <a:endParaRPr lang="en-US" dirty="0"/>
@@ -1540,7 +1551,7 @@
           <a:p>
             <a:pPr lvl="0"/>
             <a:r>
-              <a:rPr lang="de-DE" smtClean="0"/>
+              <a:rPr lang="de-DE"/>
               <a:t>Textmasterformat bearbeiten</a:t>
             </a:r>
           </a:p>
@@ -1568,35 +1579,35 @@
           <a:p>
             <a:pPr lvl="0"/>
             <a:r>
-              <a:rPr lang="de-DE" smtClean="0"/>
+              <a:rPr lang="de-DE"/>
               <a:t>Textmasterformat bearbeiten</a:t>
             </a:r>
           </a:p>
           <a:p>
             <a:pPr lvl="1"/>
             <a:r>
-              <a:rPr lang="de-DE" smtClean="0"/>
+              <a:rPr lang="de-DE"/>
               <a:t>Zweite Ebene</a:t>
             </a:r>
           </a:p>
           <a:p>
             <a:pPr lvl="2"/>
             <a:r>
-              <a:rPr lang="de-DE" smtClean="0"/>
+              <a:rPr lang="de-DE"/>
               <a:t>Dritte Ebene</a:t>
             </a:r>
           </a:p>
           <a:p>
             <a:pPr lvl="3"/>
             <a:r>
-              <a:rPr lang="de-DE" smtClean="0"/>
+              <a:rPr lang="de-DE"/>
               <a:t>Vierte Ebene</a:t>
             </a:r>
           </a:p>
           <a:p>
             <a:pPr lvl="4"/>
             <a:r>
-              <a:rPr lang="de-DE" smtClean="0"/>
+              <a:rPr lang="de-DE"/>
               <a:t>Fünfte Ebene</a:t>
             </a:r>
             <a:endParaRPr lang="en-US" dirty="0"/>
@@ -1621,7 +1632,7 @@
             <a:fld id="{3C8D21C9-6065-4506-8F9A-70A9BB6917CD}" type="datetimeFigureOut">
               <a:rPr lang="de-DE" smtClean="0"/>
               <a:pPr/>
-              <a:t>09.05.2017</a:t>
+              <a:t>21.03.2019</a:t>
             </a:fld>
             <a:endParaRPr lang="de-DE"/>
           </a:p>
@@ -1664,7 +1675,7 @@
             <a:fld id="{71D19CC4-DE5F-4A9F-AD84-A568E8512C5E}" type="slidenum">
               <a:rPr lang="de-DE" smtClean="0"/>
               <a:pPr/>
-              <a:t>‹Nr.›</a:t>
+              <a:t>‹#›</a:t>
             </a:fld>
             <a:endParaRPr lang="de-DE"/>
           </a:p>
@@ -1673,7 +1684,7 @@
     </p:spTree>
     <p:extLst>
       <p:ext uri="{BB962C8B-B14F-4D97-AF65-F5344CB8AC3E}">
-        <p14:creationId xmlns:p14="http://schemas.microsoft.com/office/powerpoint/2010/main" xmlns="" val="180250511"/>
+        <p14:creationId xmlns:p14="http://schemas.microsoft.com/office/powerpoint/2010/main" val="180250511"/>
       </p:ext>
     </p:extLst>
   </p:cSld>
@@ -1716,7 +1727,7 @@
           <a:lstStyle/>
           <a:p>
             <a:r>
-              <a:rPr lang="de-DE" smtClean="0"/>
+              <a:rPr lang="de-DE"/>
               <a:t>Titelmasterformat durch Klicken bearbeiten</a:t>
             </a:r>
             <a:endParaRPr lang="en-US" dirty="0"/>
@@ -1741,7 +1752,7 @@
             <a:fld id="{3C8D21C9-6065-4506-8F9A-70A9BB6917CD}" type="datetimeFigureOut">
               <a:rPr lang="de-DE" smtClean="0"/>
               <a:pPr/>
-              <a:t>09.05.2017</a:t>
+              <a:t>21.03.2019</a:t>
             </a:fld>
             <a:endParaRPr lang="de-DE"/>
           </a:p>
@@ -1784,7 +1795,7 @@
             <a:fld id="{71D19CC4-DE5F-4A9F-AD84-A568E8512C5E}" type="slidenum">
               <a:rPr lang="de-DE" smtClean="0"/>
               <a:pPr/>
-              <a:t>‹Nr.›</a:t>
+              <a:t>‹#›</a:t>
             </a:fld>
             <a:endParaRPr lang="de-DE"/>
           </a:p>
@@ -1793,7 +1804,7 @@
     </p:spTree>
     <p:extLst>
       <p:ext uri="{BB962C8B-B14F-4D97-AF65-F5344CB8AC3E}">
-        <p14:creationId xmlns:p14="http://schemas.microsoft.com/office/powerpoint/2010/main" xmlns="" val="2557870645"/>
+        <p14:creationId xmlns:p14="http://schemas.microsoft.com/office/powerpoint/2010/main" val="2557870645"/>
       </p:ext>
     </p:extLst>
   </p:cSld>
@@ -1838,7 +1849,7 @@
             <a:fld id="{3C8D21C9-6065-4506-8F9A-70A9BB6917CD}" type="datetimeFigureOut">
               <a:rPr lang="de-DE" smtClean="0"/>
               <a:pPr/>
-              <a:t>09.05.2017</a:t>
+              <a:t>21.03.2019</a:t>
             </a:fld>
             <a:endParaRPr lang="de-DE"/>
           </a:p>
@@ -1881,7 +1892,7 @@
             <a:fld id="{71D19CC4-DE5F-4A9F-AD84-A568E8512C5E}" type="slidenum">
               <a:rPr lang="de-DE" smtClean="0"/>
               <a:pPr/>
-              <a:t>‹Nr.›</a:t>
+              <a:t>‹#›</a:t>
             </a:fld>
             <a:endParaRPr lang="de-DE"/>
           </a:p>
@@ -1890,7 +1901,7 @@
     </p:spTree>
     <p:extLst>
       <p:ext uri="{BB962C8B-B14F-4D97-AF65-F5344CB8AC3E}">
-        <p14:creationId xmlns:p14="http://schemas.microsoft.com/office/powerpoint/2010/main" xmlns="" val="590345757"/>
+        <p14:creationId xmlns:p14="http://schemas.microsoft.com/office/powerpoint/2010/main" val="590345757"/>
       </p:ext>
     </p:extLst>
   </p:cSld>
@@ -1942,7 +1953,7 @@
           </a:lstStyle>
           <a:p>
             <a:r>
-              <a:rPr lang="de-DE" smtClean="0"/>
+              <a:rPr lang="de-DE"/>
               <a:t>Titelmasterformat durch Klicken bearbeiten</a:t>
             </a:r>
             <a:endParaRPr lang="en-US" dirty="0"/>
@@ -1999,35 +2010,35 @@
           <a:p>
             <a:pPr lvl="0"/>
             <a:r>
-              <a:rPr lang="de-DE" smtClean="0"/>
+              <a:rPr lang="de-DE"/>
               <a:t>Textmasterformat bearbeiten</a:t>
             </a:r>
           </a:p>
           <a:p>
             <a:pPr lvl="1"/>
             <a:r>
-              <a:rPr lang="de-DE" smtClean="0"/>
+              <a:rPr lang="de-DE"/>
               <a:t>Zweite Ebene</a:t>
             </a:r>
           </a:p>
           <a:p>
             <a:pPr lvl="2"/>
             <a:r>
-              <a:rPr lang="de-DE" smtClean="0"/>
+              <a:rPr lang="de-DE"/>
               <a:t>Dritte Ebene</a:t>
             </a:r>
           </a:p>
           <a:p>
             <a:pPr lvl="3"/>
             <a:r>
-              <a:rPr lang="de-DE" smtClean="0"/>
+              <a:rPr lang="de-DE"/>
               <a:t>Vierte Ebene</a:t>
             </a:r>
           </a:p>
           <a:p>
             <a:pPr lvl="4"/>
             <a:r>
-              <a:rPr lang="de-DE" smtClean="0"/>
+              <a:rPr lang="de-DE"/>
               <a:t>Fünfte Ebene</a:t>
             </a:r>
             <a:endParaRPr lang="en-US" dirty="0"/>
@@ -2093,7 +2104,7 @@
           <a:p>
             <a:pPr lvl="0"/>
             <a:r>
-              <a:rPr lang="de-DE" smtClean="0"/>
+              <a:rPr lang="de-DE"/>
               <a:t>Textmasterformat bearbeiten</a:t>
             </a:r>
           </a:p>
@@ -2117,7 +2128,7 @@
             <a:fld id="{3C8D21C9-6065-4506-8F9A-70A9BB6917CD}" type="datetimeFigureOut">
               <a:rPr lang="de-DE" smtClean="0"/>
               <a:pPr/>
-              <a:t>09.05.2017</a:t>
+              <a:t>21.03.2019</a:t>
             </a:fld>
             <a:endParaRPr lang="de-DE"/>
           </a:p>
@@ -2160,7 +2171,7 @@
             <a:fld id="{71D19CC4-DE5F-4A9F-AD84-A568E8512C5E}" type="slidenum">
               <a:rPr lang="de-DE" smtClean="0"/>
               <a:pPr/>
-              <a:t>‹Nr.›</a:t>
+              <a:t>‹#›</a:t>
             </a:fld>
             <a:endParaRPr lang="de-DE"/>
           </a:p>
@@ -2169,7 +2180,7 @@
     </p:spTree>
     <p:extLst>
       <p:ext uri="{BB962C8B-B14F-4D97-AF65-F5344CB8AC3E}">
-        <p14:creationId xmlns:p14="http://schemas.microsoft.com/office/powerpoint/2010/main" xmlns="" val="3850784144"/>
+        <p14:creationId xmlns:p14="http://schemas.microsoft.com/office/powerpoint/2010/main" val="3850784144"/>
       </p:ext>
     </p:extLst>
   </p:cSld>
@@ -2221,7 +2232,7 @@
           </a:lstStyle>
           <a:p>
             <a:r>
-              <a:rPr lang="de-DE" smtClean="0"/>
+              <a:rPr lang="de-DE"/>
               <a:t>Titelmasterformat durch Klicken bearbeiten</a:t>
             </a:r>
             <a:endParaRPr lang="en-US" dirty="0"/>
@@ -2286,7 +2297,7 @@
           </a:lstStyle>
           <a:p>
             <a:r>
-              <a:rPr lang="de-DE" smtClean="0"/>
+              <a:rPr lang="de-DE"/>
               <a:t>Bild durch Klicken auf Symbol hinzufügen</a:t>
             </a:r>
             <a:endParaRPr lang="en-US" dirty="0"/>
@@ -2352,7 +2363,7 @@
           <a:p>
             <a:pPr lvl="0"/>
             <a:r>
-              <a:rPr lang="de-DE" smtClean="0"/>
+              <a:rPr lang="de-DE"/>
               <a:t>Textmasterformat bearbeiten</a:t>
             </a:r>
           </a:p>
@@ -2376,7 +2387,7 @@
             <a:fld id="{3C8D21C9-6065-4506-8F9A-70A9BB6917CD}" type="datetimeFigureOut">
               <a:rPr lang="de-DE" smtClean="0"/>
               <a:pPr/>
-              <a:t>09.05.2017</a:t>
+              <a:t>21.03.2019</a:t>
             </a:fld>
             <a:endParaRPr lang="de-DE"/>
           </a:p>
@@ -2419,7 +2430,7 @@
             <a:fld id="{71D19CC4-DE5F-4A9F-AD84-A568E8512C5E}" type="slidenum">
               <a:rPr lang="de-DE" smtClean="0"/>
               <a:pPr/>
-              <a:t>‹Nr.›</a:t>
+              <a:t>‹#›</a:t>
             </a:fld>
             <a:endParaRPr lang="de-DE"/>
           </a:p>
@@ -2428,7 +2439,7 @@
     </p:spTree>
     <p:extLst>
       <p:ext uri="{BB962C8B-B14F-4D97-AF65-F5344CB8AC3E}">
-        <p14:creationId xmlns:p14="http://schemas.microsoft.com/office/powerpoint/2010/main" xmlns="" val="2706570782"/>
+        <p14:creationId xmlns:p14="http://schemas.microsoft.com/office/powerpoint/2010/main" val="2706570782"/>
       </p:ext>
     </p:extLst>
   </p:cSld>
@@ -2486,7 +2497,7 @@
           <a:lstStyle/>
           <a:p>
             <a:r>
-              <a:rPr lang="de-DE" smtClean="0"/>
+              <a:rPr lang="de-DE"/>
               <a:t>Titelmasterformat durch Klicken bearbeiten</a:t>
             </a:r>
             <a:endParaRPr lang="en-US" dirty="0"/>
@@ -2520,35 +2531,35 @@
           <a:p>
             <a:pPr lvl="0"/>
             <a:r>
-              <a:rPr lang="de-DE" smtClean="0"/>
+              <a:rPr lang="de-DE"/>
               <a:t>Textmasterformat bearbeiten</a:t>
             </a:r>
           </a:p>
           <a:p>
             <a:pPr lvl="1"/>
             <a:r>
-              <a:rPr lang="de-DE" smtClean="0"/>
+              <a:rPr lang="de-DE"/>
               <a:t>Zweite Ebene</a:t>
             </a:r>
           </a:p>
           <a:p>
             <a:pPr lvl="2"/>
             <a:r>
-              <a:rPr lang="de-DE" smtClean="0"/>
+              <a:rPr lang="de-DE"/>
               <a:t>Dritte Ebene</a:t>
             </a:r>
           </a:p>
           <a:p>
             <a:pPr lvl="3"/>
             <a:r>
-              <a:rPr lang="de-DE" smtClean="0"/>
+              <a:rPr lang="de-DE"/>
               <a:t>Vierte Ebene</a:t>
             </a:r>
           </a:p>
           <a:p>
             <a:pPr lvl="4"/>
             <a:r>
-              <a:rPr lang="de-DE" smtClean="0"/>
+              <a:rPr lang="de-DE"/>
               <a:t>Fünfte Ebene</a:t>
             </a:r>
             <a:endParaRPr lang="en-US" dirty="0"/>
@@ -2591,7 +2602,7 @@
             <a:fld id="{3C8D21C9-6065-4506-8F9A-70A9BB6917CD}" type="datetimeFigureOut">
               <a:rPr lang="de-DE" smtClean="0"/>
               <a:pPr/>
-              <a:t>09.05.2017</a:t>
+              <a:t>21.03.2019</a:t>
             </a:fld>
             <a:endParaRPr lang="de-DE"/>
           </a:p>
@@ -2670,7 +2681,7 @@
             <a:fld id="{71D19CC4-DE5F-4A9F-AD84-A568E8512C5E}" type="slidenum">
               <a:rPr lang="de-DE" smtClean="0"/>
               <a:pPr/>
-              <a:t>‹Nr.›</a:t>
+              <a:t>‹#›</a:t>
             </a:fld>
             <a:endParaRPr lang="de-DE"/>
           </a:p>
@@ -2679,7 +2690,7 @@
     </p:spTree>
     <p:extLst>
       <p:ext uri="{BB962C8B-B14F-4D97-AF65-F5344CB8AC3E}">
-        <p14:creationId xmlns:p14="http://schemas.microsoft.com/office/powerpoint/2010/main" xmlns="" val="3089234573"/>
+        <p14:creationId xmlns:p14="http://schemas.microsoft.com/office/powerpoint/2010/main" val="3089234573"/>
       </p:ext>
     </p:extLst>
   </p:cSld>
@@ -3825,20 +3836,13 @@
     </p:spTree>
     <p:extLst>
       <p:ext uri="{BB962C8B-B14F-4D97-AF65-F5344CB8AC3E}">
-        <p14:creationId xmlns:p14="http://schemas.microsoft.com/office/powerpoint/2010/main" xmlns="" val="2518892323"/>
+        <p14:creationId xmlns:p14="http://schemas.microsoft.com/office/powerpoint/2010/main" val="2518892323"/>
       </p:ext>
     </p:extLst>
   </p:cSld>
   <p:clrMapOvr>
     <a:masterClrMapping/>
   </p:clrMapOvr>
-  <p:timing>
-    <p:tnLst>
-      <p:par>
-        <p:cTn id="1" dur="indefinite" restart="never" nodeType="tmRoot"/>
-      </p:par>
-    </p:tnLst>
-  </p:timing>
 </p:sld>
 </file>
 
@@ -5544,20 +5548,13 @@
     </p:spTree>
     <p:extLst>
       <p:ext uri="{BB962C8B-B14F-4D97-AF65-F5344CB8AC3E}">
-        <p14:creationId xmlns:p14="http://schemas.microsoft.com/office/powerpoint/2010/main" xmlns="" val="87579400"/>
+        <p14:creationId xmlns:p14="http://schemas.microsoft.com/office/powerpoint/2010/main" val="87579400"/>
       </p:ext>
     </p:extLst>
   </p:cSld>
   <p:clrMapOvr>
     <a:masterClrMapping/>
   </p:clrMapOvr>
-  <p:timing>
-    <p:tnLst>
-      <p:par>
-        <p:cTn id="1" dur="indefinite" restart="never" nodeType="tmRoot"/>
-      </p:par>
-    </p:tnLst>
-  </p:timing>
 </p:sld>
 </file>
 
@@ -6633,20 +6630,13 @@
     </p:spTree>
     <p:extLst>
       <p:ext uri="{BB962C8B-B14F-4D97-AF65-F5344CB8AC3E}">
-        <p14:creationId xmlns:p14="http://schemas.microsoft.com/office/powerpoint/2010/main" xmlns="" val="249076851"/>
+        <p14:creationId xmlns:p14="http://schemas.microsoft.com/office/powerpoint/2010/main" val="249076851"/>
       </p:ext>
     </p:extLst>
   </p:cSld>
   <p:clrMapOvr>
     <a:masterClrMapping/>
   </p:clrMapOvr>
-  <p:timing>
-    <p:tnLst>
-      <p:par>
-        <p:cTn id="1" dur="indefinite" restart="never" nodeType="tmRoot"/>
-      </p:par>
-    </p:tnLst>
-  </p:timing>
 </p:sld>
 </file>
 
@@ -6905,7 +6895,7 @@
   <a:extraClrSchemeLst/>
   <a:extLst>
     <a:ext uri="{05A4C25C-085E-4340-85A3-A5531E510DB2}">
-      <thm15:themeFamily xmlns="" xmlns:thm15="http://schemas.microsoft.com/office/thememl/2012/main" name="Office Theme" id="{62F939B6-93AF-4DB8-9C6B-D6C7DFDC589F}" vid="{4A3C46E8-61CC-4603-A589-7422A47A8E4A}"/>
+      <thm15:themeFamily xmlns:thm15="http://schemas.microsoft.com/office/thememl/2012/main" name="Office Theme" id="{62F939B6-93AF-4DB8-9C6B-D6C7DFDC589F}" vid="{4A3C46E8-61CC-4603-A589-7422A47A8E4A}"/>
     </a:ext>
   </a:extLst>
 </a:theme>
